--- a/New Topics/Some_Size_Factors.pptx
+++ b/New Topics/Some_Size_Factors.pptx
@@ -304,7 +304,7 @@
             <a:fld id="{51B68501-CB26-4560-952F-7A1A73250305}" type="datetimeFigureOut">
               <a:rPr lang="en-US" smtClean="0"/>
               <a:pPr/>
-              <a:t>11/5/2018</a:t>
+              <a:t>11/16/2018</a:t>
             </a:fld>
             <a:endParaRPr lang="en-GB"/>
           </a:p>
@@ -471,7 +471,7 @@
             <a:fld id="{51B68501-CB26-4560-952F-7A1A73250305}" type="datetimeFigureOut">
               <a:rPr lang="en-US" smtClean="0"/>
               <a:pPr/>
-              <a:t>11/5/2018</a:t>
+              <a:t>11/16/2018</a:t>
             </a:fld>
             <a:endParaRPr lang="en-GB"/>
           </a:p>
@@ -648,7 +648,7 @@
             <a:fld id="{51B68501-CB26-4560-952F-7A1A73250305}" type="datetimeFigureOut">
               <a:rPr lang="en-US" smtClean="0"/>
               <a:pPr/>
-              <a:t>11/5/2018</a:t>
+              <a:t>11/16/2018</a:t>
             </a:fld>
             <a:endParaRPr lang="en-GB"/>
           </a:p>
@@ -815,7 +815,7 @@
             <a:fld id="{51B68501-CB26-4560-952F-7A1A73250305}" type="datetimeFigureOut">
               <a:rPr lang="en-US" smtClean="0"/>
               <a:pPr/>
-              <a:t>11/5/2018</a:t>
+              <a:t>11/16/2018</a:t>
             </a:fld>
             <a:endParaRPr lang="en-GB"/>
           </a:p>
@@ -1058,7 +1058,7 @@
             <a:fld id="{51B68501-CB26-4560-952F-7A1A73250305}" type="datetimeFigureOut">
               <a:rPr lang="en-US" smtClean="0"/>
               <a:pPr/>
-              <a:t>11/5/2018</a:t>
+              <a:t>11/16/2018</a:t>
             </a:fld>
             <a:endParaRPr lang="en-GB"/>
           </a:p>
@@ -1343,7 +1343,7 @@
             <a:fld id="{51B68501-CB26-4560-952F-7A1A73250305}" type="datetimeFigureOut">
               <a:rPr lang="en-US" smtClean="0"/>
               <a:pPr/>
-              <a:t>11/5/2018</a:t>
+              <a:t>11/16/2018</a:t>
             </a:fld>
             <a:endParaRPr lang="en-GB"/>
           </a:p>
@@ -1762,7 +1762,7 @@
             <a:fld id="{51B68501-CB26-4560-952F-7A1A73250305}" type="datetimeFigureOut">
               <a:rPr lang="en-US" smtClean="0"/>
               <a:pPr/>
-              <a:t>11/5/2018</a:t>
+              <a:t>11/16/2018</a:t>
             </a:fld>
             <a:endParaRPr lang="en-GB"/>
           </a:p>
@@ -1877,7 +1877,7 @@
             <a:fld id="{51B68501-CB26-4560-952F-7A1A73250305}" type="datetimeFigureOut">
               <a:rPr lang="en-US" smtClean="0"/>
               <a:pPr/>
-              <a:t>11/5/2018</a:t>
+              <a:t>11/16/2018</a:t>
             </a:fld>
             <a:endParaRPr lang="en-GB"/>
           </a:p>
@@ -1969,7 +1969,7 @@
             <a:fld id="{51B68501-CB26-4560-952F-7A1A73250305}" type="datetimeFigureOut">
               <a:rPr lang="en-US" smtClean="0"/>
               <a:pPr/>
-              <a:t>11/5/2018</a:t>
+              <a:t>11/16/2018</a:t>
             </a:fld>
             <a:endParaRPr lang="en-GB"/>
           </a:p>
@@ -2243,7 +2243,7 @@
             <a:fld id="{51B68501-CB26-4560-952F-7A1A73250305}" type="datetimeFigureOut">
               <a:rPr lang="en-US" smtClean="0"/>
               <a:pPr/>
-              <a:t>11/5/2018</a:t>
+              <a:t>11/16/2018</a:t>
             </a:fld>
             <a:endParaRPr lang="en-GB"/>
           </a:p>
@@ -2493,7 +2493,7 @@
             <a:fld id="{51B68501-CB26-4560-952F-7A1A73250305}" type="datetimeFigureOut">
               <a:rPr lang="en-US" smtClean="0"/>
               <a:pPr/>
-              <a:t>11/5/2018</a:t>
+              <a:t>11/16/2018</a:t>
             </a:fld>
             <a:endParaRPr lang="en-GB"/>
           </a:p>
@@ -2703,7 +2703,7 @@
             <a:fld id="{51B68501-CB26-4560-952F-7A1A73250305}" type="datetimeFigureOut">
               <a:rPr lang="en-US" smtClean="0"/>
               <a:pPr/>
-              <a:t>11/5/2018</a:t>
+              <a:t>11/16/2018</a:t>
             </a:fld>
             <a:endParaRPr lang="en-GB"/>
           </a:p>
@@ -3212,6 +3212,13 @@
   <p:clrMapOvr>
     <a:masterClrMapping/>
   </p:clrMapOvr>
+  <p:timing>
+    <p:tnLst>
+      <p:par>
+        <p:cTn id="1" dur="indefinite" restart="never" nodeType="tmRoot"/>
+      </p:par>
+    </p:tnLst>
+  </p:timing>
 </p:sld>
 </file>
 
@@ -3312,6 +3319,13 @@
   <p:clrMapOvr>
     <a:masterClrMapping/>
   </p:clrMapOvr>
+  <p:timing>
+    <p:tnLst>
+      <p:par>
+        <p:cTn id="1" dur="indefinite" restart="never" nodeType="tmRoot"/>
+      </p:par>
+    </p:tnLst>
+  </p:timing>
 </p:sld>
 </file>
 
@@ -3410,6 +3424,13 @@
   <p:clrMapOvr>
     <a:masterClrMapping/>
   </p:clrMapOvr>
+  <p:timing>
+    <p:tnLst>
+      <p:par>
+        <p:cTn id="1" dur="indefinite" restart="never" nodeType="tmRoot"/>
+      </p:par>
+    </p:tnLst>
+  </p:timing>
 </p:sld>
 </file>
 
@@ -3513,6 +3534,13 @@
   <p:clrMapOvr>
     <a:masterClrMapping/>
   </p:clrMapOvr>
+  <p:timing>
+    <p:tnLst>
+      <p:par>
+        <p:cTn id="1" dur="indefinite" restart="never" nodeType="tmRoot"/>
+      </p:par>
+    </p:tnLst>
+  </p:timing>
 </p:sld>
 </file>
 
@@ -3630,6 +3658,13 @@
   <p:clrMapOvr>
     <a:masterClrMapping/>
   </p:clrMapOvr>
+  <p:timing>
+    <p:tnLst>
+      <p:par>
+        <p:cTn id="1" dur="indefinite" restart="never" nodeType="tmRoot"/>
+      </p:par>
+    </p:tnLst>
+  </p:timing>
 </p:sld>
 </file>
 
@@ -3716,7 +3751,7 @@
             </a:pPr>
             <a:r>
               <a:rPr lang="en-GB" sz="2800" dirty="0" smtClean="0"/>
-              <a:t>Such systems often have extremely high reliability requirements and involve life-and-death processor. </a:t>
+              <a:t>Such systems often have extremely high reliability requirements.</a:t>
             </a:r>
             <a:endParaRPr lang="en-GB" sz="2800" dirty="0"/>
           </a:p>
@@ -3727,6 +3762,13 @@
   <p:clrMapOvr>
     <a:masterClrMapping/>
   </p:clrMapOvr>
+  <p:timing>
+    <p:tnLst>
+      <p:par>
+        <p:cTn id="1" dur="indefinite" restart="never" nodeType="tmRoot"/>
+      </p:par>
+    </p:tnLst>
+  </p:timing>
 </p:sld>
 </file>
 
@@ -3824,19 +3866,19 @@
             <a:pPr marL="688975" lvl="1" indent="-288925" algn="just">
               <a:tabLst>
                 <a:tab pos="854075" algn="l"/>
-                <a:tab pos="5141913" algn="l"/>
+                <a:tab pos="5546725" algn="r"/>
               </a:tabLst>
             </a:pPr>
             <a:r>
               <a:rPr lang="en-US" sz="2400" dirty="0" smtClean="0"/>
-              <a:t>Write programmers	13%</a:t>
+              <a:t>Writing programs	13%</a:t>
             </a:r>
           </a:p>
           <a:p>
             <a:pPr marL="688975" lvl="1" indent="-288925" algn="just">
               <a:tabLst>
                 <a:tab pos="854075" algn="l"/>
-                <a:tab pos="5141913" algn="l"/>
+                <a:tab pos="5546725" algn="r"/>
               </a:tabLst>
             </a:pPr>
             <a:r>
@@ -3854,7 +3896,7 @@
             <a:pPr marL="688975" lvl="1" indent="-288925" algn="just">
               <a:tabLst>
                 <a:tab pos="854075" algn="l"/>
-                <a:tab pos="5141913" algn="l"/>
+                <a:tab pos="5546725" algn="r"/>
               </a:tabLst>
             </a:pPr>
             <a:r>
@@ -3866,7 +3908,7 @@
             <a:pPr marL="688975" lvl="1" indent="-288925" algn="just">
               <a:tabLst>
                 <a:tab pos="854075" algn="l"/>
-                <a:tab pos="5141913" algn="l"/>
+                <a:tab pos="5546725" algn="r"/>
               </a:tabLst>
             </a:pPr>
             <a:r>
@@ -3884,7 +3926,7 @@
             <a:pPr marL="688975" lvl="1" indent="-288925" algn="just">
               <a:tabLst>
                 <a:tab pos="854075" algn="l"/>
-                <a:tab pos="5141913" algn="l"/>
+                <a:tab pos="5546725" algn="r"/>
               </a:tabLst>
             </a:pPr>
             <a:r>
@@ -3896,7 +3938,7 @@
             <a:pPr marL="688975" lvl="1" indent="-288925" algn="just">
               <a:tabLst>
                 <a:tab pos="854075" algn="l"/>
-                <a:tab pos="5141913" algn="l"/>
+                <a:tab pos="5546725" algn="r"/>
               </a:tabLst>
             </a:pPr>
             <a:r>
@@ -3914,7 +3956,7 @@
             <a:pPr marL="688975" lvl="1" indent="-288925" algn="just">
               <a:tabLst>
                 <a:tab pos="854075" algn="l"/>
-                <a:tab pos="5141913" algn="l"/>
+                <a:tab pos="5546725" algn="r"/>
               </a:tabLst>
             </a:pPr>
             <a:r>
@@ -3927,6 +3969,84 @@
               <a:buNone/>
             </a:pPr>
             <a:endParaRPr lang="en-US" dirty="0" smtClean="0"/>
+          </a:p>
+        </p:txBody>
+      </p:sp>
+      <p:sp>
+        <p:nvSpPr>
+          <p:cNvPr id="4" name="Right Brace 3"/>
+          <p:cNvSpPr/>
+          <p:nvPr/>
+        </p:nvSpPr>
+        <p:spPr>
+          <a:xfrm>
+            <a:off x="6248400" y="4235970"/>
+            <a:ext cx="685800" cy="1600200"/>
+          </a:xfrm>
+          <a:prstGeom prst="rightBrace">
+            <a:avLst>
+              <a:gd name="adj1" fmla="val 38934"/>
+              <a:gd name="adj2" fmla="val 50937"/>
+            </a:avLst>
+          </a:prstGeom>
+          <a:ln w="19050"/>
+        </p:spPr>
+        <p:style>
+          <a:lnRef idx="1">
+            <a:schemeClr val="accent1"/>
+          </a:lnRef>
+          <a:fillRef idx="0">
+            <a:schemeClr val="accent1"/>
+          </a:fillRef>
+          <a:effectRef idx="0">
+            <a:schemeClr val="accent1"/>
+          </a:effectRef>
+          <a:fontRef idx="minor">
+            <a:schemeClr val="tx1"/>
+          </a:fontRef>
+        </p:style>
+        <p:txBody>
+          <a:bodyPr rtlCol="0" anchor="ctr"/>
+          <a:lstStyle/>
+          <a:p>
+            <a:pPr algn="ctr"/>
+            <a:endParaRPr lang="en-GB">
+              <a:ln w="28575">
+                <a:solidFill>
+                  <a:schemeClr val="tx1"/>
+                </a:solidFill>
+              </a:ln>
+            </a:endParaRPr>
+          </a:p>
+        </p:txBody>
+      </p:sp>
+      <p:sp>
+        <p:nvSpPr>
+          <p:cNvPr id="5" name="TextBox 4"/>
+          <p:cNvSpPr txBox="1"/>
+          <p:nvPr/>
+        </p:nvSpPr>
+        <p:spPr>
+          <a:xfrm>
+            <a:off x="7025390" y="4796135"/>
+            <a:ext cx="1610762" cy="461665"/>
+          </a:xfrm>
+          <a:prstGeom prst="rect">
+            <a:avLst/>
+          </a:prstGeom>
+          <a:noFill/>
+        </p:spPr>
+        <p:txBody>
+          <a:bodyPr wrap="none" rtlCol="0">
+            <a:spAutoFit/>
+          </a:bodyPr>
+          <a:lstStyle/>
+          <a:p>
+            <a:r>
+              <a:rPr lang="en-US" sz="2400" b="1" dirty="0" smtClean="0"/>
+              <a:t>39% others</a:t>
+            </a:r>
+            <a:endParaRPr lang="en-GB" sz="2400" b="1" dirty="0"/>
           </a:p>
         </p:txBody>
       </p:sp>
@@ -3935,6 +4055,13 @@
   <p:clrMapOvr>
     <a:masterClrMapping/>
   </p:clrMapOvr>
+  <p:timing>
+    <p:tnLst>
+      <p:par>
+        <p:cTn id="1" dur="indefinite" restart="never" nodeType="tmRoot"/>
+      </p:par>
+    </p:tnLst>
+  </p:timing>
 </p:sld>
 </file>
 
@@ -3996,7 +4123,7 @@
             <a:r>
               <a:rPr lang="en-GB" dirty="0" smtClean="0">
                 <a:solidFill>
-                  <a:srgbClr val="7030A0"/>
+                  <a:schemeClr val="tx2"/>
                 </a:solidFill>
               </a:rPr>
               <a:t>Software quality is a primary concern of software engineers. </a:t>
@@ -4006,7 +4133,11 @@
             <a:pPr marL="0" indent="0" algn="ctr">
               <a:buNone/>
             </a:pPr>
-            <a:endParaRPr lang="en-US" dirty="0" smtClean="0"/>
+            <a:endParaRPr lang="en-US" dirty="0" smtClean="0">
+              <a:solidFill>
+                <a:schemeClr val="tx2"/>
+              </a:solidFill>
+            </a:endParaRPr>
           </a:p>
           <a:p>
             <a:pPr marL="0" indent="0" algn="ctr">
@@ -4015,7 +4146,7 @@
             <a:r>
               <a:rPr lang="en-US" dirty="0" smtClean="0">
                 <a:solidFill>
-                  <a:srgbClr val="FF0000"/>
+                  <a:schemeClr val="tx2"/>
                 </a:solidFill>
               </a:rPr>
               <a:t>Software quality attributes are the primary concern to maintain the software quality.</a:t>
@@ -4025,7 +4156,11 @@
             <a:pPr marL="0" indent="0" algn="ctr">
               <a:buNone/>
             </a:pPr>
-            <a:endParaRPr lang="en-US" dirty="0" smtClean="0"/>
+            <a:endParaRPr lang="en-US" dirty="0" smtClean="0">
+              <a:solidFill>
+                <a:schemeClr val="tx2"/>
+              </a:solidFill>
+            </a:endParaRPr>
           </a:p>
           <a:p>
             <a:pPr marL="0" indent="0" algn="ctr">
@@ -4034,22 +4169,14 @@
             <a:r>
               <a:rPr lang="en-US" dirty="0" smtClean="0">
                 <a:solidFill>
-                  <a:srgbClr val="0070C0"/>
+                  <a:schemeClr val="tx2"/>
                 </a:solidFill>
               </a:rPr>
-              <a:t>Software product should be efficient – but only as appropriate for the particular </a:t>
-            </a:r>
-            <a:r>
-              <a:rPr lang="en-US" dirty="0" smtClean="0">
-                <a:solidFill>
-                  <a:srgbClr val="0070C0"/>
-                </a:solidFill>
-              </a:rPr>
-              <a:t>application.</a:t>
+              <a:t>Software product should be efficient – but only as appropriate for the particular application.</a:t>
             </a:r>
             <a:endParaRPr lang="en-GB" dirty="0" smtClean="0">
               <a:solidFill>
-                <a:srgbClr val="0070C0"/>
+                <a:schemeClr val="tx2"/>
               </a:solidFill>
             </a:endParaRPr>
           </a:p>
@@ -4057,7 +4184,11 @@
             <a:pPr marL="0" indent="0" algn="ctr">
               <a:buNone/>
             </a:pPr>
-            <a:endParaRPr lang="en-GB" dirty="0"/>
+            <a:endParaRPr lang="en-GB" dirty="0">
+              <a:solidFill>
+                <a:schemeClr val="tx2"/>
+              </a:solidFill>
+            </a:endParaRPr>
           </a:p>
         </p:txBody>
       </p:sp>
@@ -4716,6 +4847,13 @@
   <p:clrMapOvr>
     <a:masterClrMapping/>
   </p:clrMapOvr>
+  <p:timing>
+    <p:tnLst>
+      <p:par>
+        <p:cTn id="1" dur="indefinite" restart="never" nodeType="tmRoot"/>
+      </p:par>
+    </p:tnLst>
+  </p:timing>
 </p:sld>
 </file>
 
@@ -5020,6 +5158,13 @@
   <p:clrMapOvr>
     <a:masterClrMapping/>
   </p:clrMapOvr>
+  <p:timing>
+    <p:tnLst>
+      <p:par>
+        <p:cTn id="1" dur="indefinite" restart="never" nodeType="tmRoot"/>
+      </p:par>
+    </p:tnLst>
+  </p:timing>
 </p:sld>
 </file>
 
